--- a/phonetics2021Fall.pptx
+++ b/phonetics2021Fall.pptx
@@ -5,7 +5,7 @@
     <p:sldMasterId id="2147483648" r:id="rId1"/>
   </p:sldMasterIdLst>
   <p:notesMasterIdLst>
-    <p:notesMasterId r:id="rId7"/>
+    <p:notesMasterId r:id="rId11"/>
   </p:notesMasterIdLst>
   <p:sldIdLst>
     <p:sldId id="256" r:id="rId2"/>
@@ -13,6 +13,10 @@
     <p:sldId id="262" r:id="rId4"/>
     <p:sldId id="263" r:id="rId5"/>
     <p:sldId id="268" r:id="rId6"/>
+    <p:sldId id="264" r:id="rId7"/>
+    <p:sldId id="265" r:id="rId8"/>
+    <p:sldId id="266" r:id="rId9"/>
+    <p:sldId id="267" r:id="rId10"/>
   </p:sldIdLst>
   <p:sldSz cx="13004800" cy="9753600"/>
   <p:notesSz cx="6858000" cy="9144000"/>
@@ -328,6 +332,64 @@
 </p:cmAuthorLst>
 </file>
 
+<file path=ppt/revisionInfo.xml><?xml version="1.0" encoding="utf-8"?>
+<p1510:revInfo xmlns:a="http://schemas.openxmlformats.org/drawingml/2006/main" xmlns:r="http://schemas.openxmlformats.org/officeDocument/2006/relationships" xmlns:p1510="http://schemas.microsoft.com/office/powerpoint/2015/10/main">
+  <p1510:revLst>
+    <p1510:client id="{317F78F0-77D0-834A-AEFF-217CC47132BC}" v="1" dt="2021-09-12T18:01:50.099"/>
+  </p1510:revLst>
+</p1510:revInfo>
+</file>
+
+<file path=ppt/changesInfos/changesInfo1.xml><?xml version="1.0" encoding="utf-8"?>
+<pc:chgInfo xmlns:a="http://schemas.openxmlformats.org/drawingml/2006/main" xmlns:r="http://schemas.openxmlformats.org/officeDocument/2006/relationships" xmlns:ac="http://schemas.microsoft.com/office/drawing/2013/main/command" xmlns:pc="http://schemas.microsoft.com/office/powerpoint/2013/main/command">
+  <pc:docChgLst>
+    <pc:chgData name="남호성[ 교수 / 영어영문학과 ]" userId="14ed8126-a544-4d69-864c-a240d842e641" providerId="ADAL" clId="{317F78F0-77D0-834A-AEFF-217CC47132BC}"/>
+    <pc:docChg chg="custSel addSld modSld">
+      <pc:chgData name="남호성[ 교수 / 영어영문학과 ]" userId="14ed8126-a544-4d69-864c-a240d842e641" providerId="ADAL" clId="{317F78F0-77D0-834A-AEFF-217CC47132BC}" dt="2021-09-12T18:01:50.307" v="1" actId="27636"/>
+      <pc:docMkLst>
+        <pc:docMk/>
+      </pc:docMkLst>
+      <pc:sldChg chg="add">
+        <pc:chgData name="남호성[ 교수 / 영어영문학과 ]" userId="14ed8126-a544-4d69-864c-a240d842e641" providerId="ADAL" clId="{317F78F0-77D0-834A-AEFF-217CC47132BC}" dt="2021-09-12T18:01:50.071" v="0"/>
+        <pc:sldMkLst>
+          <pc:docMk/>
+          <pc:sldMk cId="0" sldId="264"/>
+        </pc:sldMkLst>
+      </pc:sldChg>
+      <pc:sldChg chg="add">
+        <pc:chgData name="남호성[ 교수 / 영어영문학과 ]" userId="14ed8126-a544-4d69-864c-a240d842e641" providerId="ADAL" clId="{317F78F0-77D0-834A-AEFF-217CC47132BC}" dt="2021-09-12T18:01:50.071" v="0"/>
+        <pc:sldMkLst>
+          <pc:docMk/>
+          <pc:sldMk cId="0" sldId="265"/>
+        </pc:sldMkLst>
+      </pc:sldChg>
+      <pc:sldChg chg="add">
+        <pc:chgData name="남호성[ 교수 / 영어영문학과 ]" userId="14ed8126-a544-4d69-864c-a240d842e641" providerId="ADAL" clId="{317F78F0-77D0-834A-AEFF-217CC47132BC}" dt="2021-09-12T18:01:50.071" v="0"/>
+        <pc:sldMkLst>
+          <pc:docMk/>
+          <pc:sldMk cId="0" sldId="266"/>
+        </pc:sldMkLst>
+      </pc:sldChg>
+      <pc:sldChg chg="modSp add mod">
+        <pc:chgData name="남호성[ 교수 / 영어영문학과 ]" userId="14ed8126-a544-4d69-864c-a240d842e641" providerId="ADAL" clId="{317F78F0-77D0-834A-AEFF-217CC47132BC}" dt="2021-09-12T18:01:50.307" v="1" actId="27636"/>
+        <pc:sldMkLst>
+          <pc:docMk/>
+          <pc:sldMk cId="0" sldId="267"/>
+        </pc:sldMkLst>
+        <pc:spChg chg="mod">
+          <ac:chgData name="남호성[ 교수 / 영어영문학과 ]" userId="14ed8126-a544-4d69-864c-a240d842e641" providerId="ADAL" clId="{317F78F0-77D0-834A-AEFF-217CC47132BC}" dt="2021-09-12T18:01:50.307" v="1" actId="27636"/>
+          <ac:spMkLst>
+            <pc:docMk/>
+            <pc:sldMk cId="0" sldId="267"/>
+            <ac:spMk id="273" creationId="{00000000-0000-0000-0000-000000000000}"/>
+          </ac:spMkLst>
+        </pc:spChg>
+      </pc:sldChg>
+    </pc:docChg>
+  </pc:docChgLst>
+</pc:chgInfo>
+</file>
+
 <file path=ppt/notesMasters/notesMaster1.xml><?xml version="1.0" encoding="utf-8"?>
 <p:notesMaster xmlns:a="http://schemas.openxmlformats.org/drawingml/2006/main" xmlns:r="http://schemas.openxmlformats.org/officeDocument/2006/relationships" xmlns:p="http://schemas.openxmlformats.org/presentationml/2006/main">
   <p:cSld>
@@ -2363,7 +2425,7 @@
           </a:ln>
           <a:extLst>
             <a:ext uri="{C572A759-6A51-4108-AA02-DFA0A04FC94B}">
-              <ma14:wrappingTextBoxFlag xmlns:ma14="http://schemas.microsoft.com/office/mac/drawingml/2011/main" xmlns="" val="1"/>
+              <ma14:wrappingTextBoxFlag xmlns="" xmlns:ma14="http://schemas.microsoft.com/office/mac/drawingml/2011/main" val="1"/>
             </a:ext>
           </a:extLst>
         </p:spPr>
@@ -2402,7 +2464,7 @@
           </a:ln>
           <a:extLst>
             <a:ext uri="{C572A759-6A51-4108-AA02-DFA0A04FC94B}">
-              <ma14:wrappingTextBoxFlag xmlns:ma14="http://schemas.microsoft.com/office/mac/drawingml/2011/main" xmlns="" val="1"/>
+              <ma14:wrappingTextBoxFlag xmlns="" xmlns:ma14="http://schemas.microsoft.com/office/mac/drawingml/2011/main" val="1"/>
             </a:ext>
           </a:extLst>
         </p:spPr>
@@ -3683,7 +3745,7 @@
           </a:ln>
           <a:extLst>
             <a:ext uri="{C572A759-6A51-4108-AA02-DFA0A04FC94B}">
-              <ma14:wrappingTextBoxFlag xmlns:ma14="http://schemas.microsoft.com/office/mac/drawingml/2011/main" xmlns="" val="1"/>
+              <ma14:wrappingTextBoxFlag xmlns="" xmlns:ma14="http://schemas.microsoft.com/office/mac/drawingml/2011/main" val="1"/>
             </a:ext>
           </a:extLst>
         </p:spPr>
@@ -3762,7 +3824,7 @@
           </a:ln>
           <a:extLst>
             <a:ext uri="{C572A759-6A51-4108-AA02-DFA0A04FC94B}">
-              <ma14:wrappingTextBoxFlag xmlns:ma14="http://schemas.microsoft.com/office/mac/drawingml/2011/main" xmlns="" val="1"/>
+              <ma14:wrappingTextBoxFlag xmlns="" xmlns:ma14="http://schemas.microsoft.com/office/mac/drawingml/2011/main" val="1"/>
             </a:ext>
           </a:extLst>
         </p:spPr>
@@ -4001,6 +4063,823 @@
             </a:pPr>
             <a:r>
               <a:t>How to hear speech</a:t>
+            </a:r>
+          </a:p>
+        </p:txBody>
+      </p:sp>
+    </p:spTree>
+  </p:cSld>
+  <p:clrMapOvr>
+    <a:masterClrMapping/>
+  </p:clrMapOvr>
+  <mc:AlternateContent xmlns:mc="http://schemas.openxmlformats.org/markup-compatibility/2006" xmlns:p14="http://schemas.microsoft.com/office/powerpoint/2010/main">
+    <mc:Choice Requires="p14">
+      <p:transition spd="slow" p14:dur="1200">
+        <p14:prism/>
+      </p:transition>
+    </mc:Choice>
+    <mc:Fallback xmlns="">
+      <p:transition spd="slow">
+        <p:fade/>
+      </p:transition>
+    </mc:Fallback>
+  </mc:AlternateContent>
+</p:sld>
+</file>
+
+<file path=ppt/slides/slide6.xml><?xml version="1.0" encoding="utf-8"?>
+<p:sld xmlns:a="http://schemas.openxmlformats.org/drawingml/2006/main" xmlns:r="http://schemas.openxmlformats.org/officeDocument/2006/relationships" xmlns:p="http://schemas.openxmlformats.org/presentationml/2006/main">
+  <p:cSld>
+    <p:spTree>
+      <p:nvGrpSpPr>
+        <p:cNvPr id="1" name=""/>
+        <p:cNvGrpSpPr/>
+        <p:nvPr/>
+      </p:nvGrpSpPr>
+      <p:grpSpPr>
+        <a:xfrm>
+          <a:off x="0" y="0"/>
+          <a:ext cx="0" cy="0"/>
+          <a:chOff x="0" y="0"/>
+          <a:chExt cx="0" cy="0"/>
+        </a:xfrm>
+      </p:grpSpPr>
+      <p:sp>
+        <p:nvSpPr>
+          <p:cNvPr id="251" name="Praat"/>
+          <p:cNvSpPr txBox="1">
+            <a:spLocks noGrp="1"/>
+          </p:cNvSpPr>
+          <p:nvPr>
+            <p:ph type="title"/>
+          </p:nvPr>
+        </p:nvSpPr>
+        <p:spPr>
+          <a:prstGeom prst="rect">
+            <a:avLst/>
+          </a:prstGeom>
+        </p:spPr>
+        <p:txBody>
+          <a:bodyPr/>
+          <a:lstStyle/>
+          <a:p>
+            <a:r>
+              <a:t>Praat</a:t>
+            </a:r>
+          </a:p>
+        </p:txBody>
+      </p:sp>
+    </p:spTree>
+  </p:cSld>
+  <p:clrMapOvr>
+    <a:masterClrMapping/>
+  </p:clrMapOvr>
+  <mc:AlternateContent xmlns:mc="http://schemas.openxmlformats.org/markup-compatibility/2006" xmlns:p14="http://schemas.microsoft.com/office/powerpoint/2010/main">
+    <mc:Choice Requires="p14">
+      <p:transition spd="slow" p14:dur="1500">
+        <p14:prism/>
+      </p:transition>
+    </mc:Choice>
+    <mc:Fallback xmlns="">
+      <p:transition spd="slow">
+        <p:fade/>
+      </p:transition>
+    </mc:Fallback>
+  </mc:AlternateContent>
+</p:sld>
+</file>
+
+<file path=ppt/slides/slide7.xml><?xml version="1.0" encoding="utf-8"?>
+<p:sld xmlns:a="http://schemas.openxmlformats.org/drawingml/2006/main" xmlns:r="http://schemas.openxmlformats.org/officeDocument/2006/relationships" xmlns:p="http://schemas.openxmlformats.org/presentationml/2006/main">
+  <p:cSld>
+    <p:spTree>
+      <p:nvGrpSpPr>
+        <p:cNvPr id="1" name=""/>
+        <p:cNvGrpSpPr/>
+        <p:nvPr/>
+      </p:nvGrpSpPr>
+      <p:grpSpPr>
+        <a:xfrm>
+          <a:off x="0" y="0"/>
+          <a:ext cx="0" cy="0"/>
+          <a:chOff x="0" y="0"/>
+          <a:chExt cx="0" cy="0"/>
+        </a:xfrm>
+      </p:grpSpPr>
+      <p:sp>
+        <p:nvSpPr>
+          <p:cNvPr id="253" name="Shape 51"/>
+          <p:cNvSpPr txBox="1">
+            <a:spLocks noGrp="1"/>
+          </p:cNvSpPr>
+          <p:nvPr>
+            <p:ph type="title"/>
+          </p:nvPr>
+        </p:nvSpPr>
+        <p:spPr>
+          <a:prstGeom prst="rect">
+            <a:avLst/>
+          </a:prstGeom>
+        </p:spPr>
+        <p:txBody>
+          <a:bodyPr/>
+          <a:lstStyle/>
+          <a:p>
+            <a:r>
+              <a:t>Praat</a:t>
+            </a:r>
+          </a:p>
+        </p:txBody>
+      </p:sp>
+      <p:sp>
+        <p:nvSpPr>
+          <p:cNvPr id="254" name="Shape 52"/>
+          <p:cNvSpPr txBox="1">
+            <a:spLocks noGrp="1"/>
+          </p:cNvSpPr>
+          <p:nvPr>
+            <p:ph type="body" idx="1"/>
+          </p:nvPr>
+        </p:nvSpPr>
+        <p:spPr>
+          <a:prstGeom prst="rect">
+            <a:avLst/>
+          </a:prstGeom>
+        </p:spPr>
+        <p:txBody>
+          <a:bodyPr/>
+          <a:lstStyle/>
+          <a:p>
+            <a:endParaRPr/>
+          </a:p>
+        </p:txBody>
+      </p:sp>
+      <p:pic>
+        <p:nvPicPr>
+          <p:cNvPr id="255" name="pasted-image.png" descr="pasted-image.png"/>
+          <p:cNvPicPr>
+            <a:picLocks noChangeAspect="1"/>
+          </p:cNvPicPr>
+          <p:nvPr/>
+        </p:nvPicPr>
+        <p:blipFill>
+          <a:blip r:embed="rId2"/>
+          <a:stretch>
+            <a:fillRect/>
+          </a:stretch>
+        </p:blipFill>
+        <p:spPr>
+          <a:xfrm>
+            <a:off x="1010988" y="4178589"/>
+            <a:ext cx="4990724" cy="3149023"/>
+          </a:xfrm>
+          <a:prstGeom prst="rect">
+            <a:avLst/>
+          </a:prstGeom>
+          <a:ln w="12700">
+            <a:miter lim="400000"/>
+          </a:ln>
+        </p:spPr>
+      </p:pic>
+      <p:pic>
+        <p:nvPicPr>
+          <p:cNvPr id="256" name="pasted-image.png" descr="pasted-image.png"/>
+          <p:cNvPicPr>
+            <a:picLocks noChangeAspect="1"/>
+          </p:cNvPicPr>
+          <p:nvPr/>
+        </p:nvPicPr>
+        <p:blipFill>
+          <a:blip r:embed="rId3"/>
+          <a:stretch>
+            <a:fillRect/>
+          </a:stretch>
+        </p:blipFill>
+        <p:spPr>
+          <a:xfrm>
+            <a:off x="6792242" y="4186756"/>
+            <a:ext cx="4858214" cy="4176194"/>
+          </a:xfrm>
+          <a:prstGeom prst="rect">
+            <a:avLst/>
+          </a:prstGeom>
+          <a:ln w="12700">
+            <a:miter lim="400000"/>
+          </a:ln>
+        </p:spPr>
+      </p:pic>
+      <p:sp>
+        <p:nvSpPr>
+          <p:cNvPr id="257" name="Shape 55"/>
+          <p:cNvSpPr txBox="1"/>
+          <p:nvPr/>
+        </p:nvSpPr>
+        <p:spPr>
+          <a:xfrm>
+            <a:off x="1873687" y="3238499"/>
+            <a:ext cx="3265324" cy="647701"/>
+          </a:xfrm>
+          <a:prstGeom prst="rect">
+            <a:avLst/>
+          </a:prstGeom>
+          <a:ln w="12700">
+            <a:miter lim="400000"/>
+          </a:ln>
+          <a:extLst>
+            <a:ext uri="{C572A759-6A51-4108-AA02-DFA0A04FC94B}">
+              <ma14:wrappingTextBoxFlag xmlns="" xmlns:ma14="http://schemas.microsoft.com/office/mac/drawingml/2011/main" val="1"/>
+            </a:ext>
+          </a:extLst>
+        </p:spPr>
+        <p:txBody>
+          <a:bodyPr wrap="none" lIns="50800" tIns="50800" rIns="50800" bIns="50800" anchor="ctr">
+            <a:spAutoFit/>
+          </a:bodyPr>
+          <a:lstStyle/>
+          <a:p>
+            <a:r>
+              <a:t>open sound file</a:t>
+            </a:r>
+          </a:p>
+        </p:txBody>
+      </p:sp>
+      <p:sp>
+        <p:nvSpPr>
+          <p:cNvPr id="258" name="Shape 56"/>
+          <p:cNvSpPr txBox="1"/>
+          <p:nvPr/>
+        </p:nvSpPr>
+        <p:spPr>
+          <a:xfrm>
+            <a:off x="7800371" y="3238499"/>
+            <a:ext cx="2841956" cy="647701"/>
+          </a:xfrm>
+          <a:prstGeom prst="rect">
+            <a:avLst/>
+          </a:prstGeom>
+          <a:ln w="12700">
+            <a:miter lim="400000"/>
+          </a:ln>
+          <a:extLst>
+            <a:ext uri="{C572A759-6A51-4108-AA02-DFA0A04FC94B}">
+              <ma14:wrappingTextBoxFlag xmlns="" xmlns:ma14="http://schemas.microsoft.com/office/mac/drawingml/2011/main" val="1"/>
+            </a:ext>
+          </a:extLst>
+        </p:spPr>
+        <p:txBody>
+          <a:bodyPr wrap="none" lIns="50800" tIns="50800" rIns="50800" bIns="50800" anchor="ctr">
+            <a:spAutoFit/>
+          </a:bodyPr>
+          <a:lstStyle/>
+          <a:p>
+            <a:r>
+              <a:t>record sound</a:t>
+            </a:r>
+          </a:p>
+        </p:txBody>
+      </p:sp>
+    </p:spTree>
+  </p:cSld>
+  <p:clrMapOvr>
+    <a:masterClrMapping/>
+  </p:clrMapOvr>
+  <mc:AlternateContent xmlns:mc="http://schemas.openxmlformats.org/markup-compatibility/2006" xmlns:p14="http://schemas.microsoft.com/office/powerpoint/2010/main">
+    <mc:Choice Requires="p14">
+      <p:transition spd="slow" p14:dur="1500">
+        <p14:prism/>
+      </p:transition>
+    </mc:Choice>
+    <mc:Fallback xmlns="">
+      <p:transition spd="slow">
+        <p:fade/>
+      </p:transition>
+    </mc:Fallback>
+  </mc:AlternateContent>
+</p:sld>
+</file>
+
+<file path=ppt/slides/slide8.xml><?xml version="1.0" encoding="utf-8"?>
+<p:sld xmlns:a="http://schemas.openxmlformats.org/drawingml/2006/main" xmlns:r="http://schemas.openxmlformats.org/officeDocument/2006/relationships" xmlns:p="http://schemas.openxmlformats.org/presentationml/2006/main">
+  <p:cSld>
+    <p:spTree>
+      <p:nvGrpSpPr>
+        <p:cNvPr id="1" name=""/>
+        <p:cNvGrpSpPr/>
+        <p:nvPr/>
+      </p:nvGrpSpPr>
+      <p:grpSpPr>
+        <a:xfrm>
+          <a:off x="0" y="0"/>
+          <a:ext cx="0" cy="0"/>
+          <a:chOff x="0" y="0"/>
+          <a:chExt cx="0" cy="0"/>
+        </a:xfrm>
+      </p:grpSpPr>
+      <p:sp>
+        <p:nvSpPr>
+          <p:cNvPr id="260" name="Shape 58"/>
+          <p:cNvSpPr txBox="1">
+            <a:spLocks noGrp="1"/>
+          </p:cNvSpPr>
+          <p:nvPr>
+            <p:ph type="title"/>
+          </p:nvPr>
+        </p:nvSpPr>
+        <p:spPr>
+          <a:prstGeom prst="rect">
+            <a:avLst/>
+          </a:prstGeom>
+        </p:spPr>
+        <p:txBody>
+          <a:bodyPr/>
+          <a:lstStyle>
+            <a:lvl1pPr defTabSz="490727">
+              <a:defRPr sz="6700"/>
+            </a:lvl1pPr>
+          </a:lstStyle>
+          <a:p>
+            <a:r>
+              <a:t>Duration, pitch, intensity, formant</a:t>
+            </a:r>
+          </a:p>
+        </p:txBody>
+      </p:sp>
+      <p:pic>
+        <p:nvPicPr>
+          <p:cNvPr id="261" name="pasted-image.pdf" descr="pasted-image.pdf"/>
+          <p:cNvPicPr>
+            <a:picLocks noChangeAspect="1"/>
+          </p:cNvPicPr>
+          <p:nvPr/>
+        </p:nvPicPr>
+        <p:blipFill>
+          <a:blip r:embed="rId2"/>
+          <a:stretch>
+            <a:fillRect/>
+          </a:stretch>
+        </p:blipFill>
+        <p:spPr>
+          <a:xfrm>
+            <a:off x="6102989" y="2806700"/>
+            <a:ext cx="5499103" cy="6858000"/>
+          </a:xfrm>
+          <a:prstGeom prst="rect">
+            <a:avLst/>
+          </a:prstGeom>
+          <a:ln w="12700">
+            <a:miter lim="400000"/>
+          </a:ln>
+        </p:spPr>
+      </p:pic>
+      <p:sp>
+        <p:nvSpPr>
+          <p:cNvPr id="262" name="Shape 60"/>
+          <p:cNvSpPr/>
+          <p:nvPr/>
+        </p:nvSpPr>
+        <p:spPr>
+          <a:xfrm flipV="1">
+            <a:off x="5496466" y="3664446"/>
+            <a:ext cx="2295378" cy="838152"/>
+          </a:xfrm>
+          <a:prstGeom prst="line">
+            <a:avLst/>
+          </a:prstGeom>
+          <a:ln w="63500">
+            <a:solidFill>
+              <a:schemeClr val="accent1">
+                <a:satOff val="-3355"/>
+                <a:lumOff val="26614"/>
+              </a:schemeClr>
+            </a:solidFill>
+            <a:miter lim="400000"/>
+            <a:tailEnd type="triangle"/>
+          </a:ln>
+        </p:spPr>
+        <p:txBody>
+          <a:bodyPr lIns="45718" tIns="45718" rIns="45718" bIns="45718"/>
+          <a:lstStyle/>
+          <a:p>
+            <a:endParaRPr/>
+          </a:p>
+        </p:txBody>
+      </p:sp>
+      <p:sp>
+        <p:nvSpPr>
+          <p:cNvPr id="263" name="Shape 61"/>
+          <p:cNvSpPr txBox="1"/>
+          <p:nvPr/>
+        </p:nvSpPr>
+        <p:spPr>
+          <a:xfrm>
+            <a:off x="4616195" y="4450531"/>
+            <a:ext cx="1765809" cy="406401"/>
+          </a:xfrm>
+          <a:prstGeom prst="rect">
+            <a:avLst/>
+          </a:prstGeom>
+          <a:ln w="12700">
+            <a:miter lim="400000"/>
+          </a:ln>
+          <a:extLst>
+            <a:ext uri="{C572A759-6A51-4108-AA02-DFA0A04FC94B}">
+              <ma14:wrappingTextBoxFlag xmlns="" xmlns:ma14="http://schemas.microsoft.com/office/mac/drawingml/2011/main" val="1"/>
+            </a:ext>
+          </a:extLst>
+        </p:spPr>
+        <p:txBody>
+          <a:bodyPr wrap="none" lIns="50800" tIns="50800" rIns="50800" bIns="50800" anchor="ctr">
+            <a:spAutoFit/>
+          </a:bodyPr>
+          <a:lstStyle>
+            <a:lvl1pPr>
+              <a:defRPr sz="2000"/>
+            </a:lvl1pPr>
+          </a:lstStyle>
+          <a:p>
+            <a:r>
+              <a:t>duration (sec.)</a:t>
+            </a:r>
+          </a:p>
+        </p:txBody>
+      </p:sp>
+      <p:sp>
+        <p:nvSpPr>
+          <p:cNvPr id="264" name="Shape 62"/>
+          <p:cNvSpPr txBox="1"/>
+          <p:nvPr/>
+        </p:nvSpPr>
+        <p:spPr>
+          <a:xfrm>
+            <a:off x="10916920" y="7879308"/>
+            <a:ext cx="1610361" cy="406401"/>
+          </a:xfrm>
+          <a:prstGeom prst="rect">
+            <a:avLst/>
+          </a:prstGeom>
+          <a:ln w="12700">
+            <a:miter lim="400000"/>
+          </a:ln>
+          <a:extLst>
+            <a:ext uri="{C572A759-6A51-4108-AA02-DFA0A04FC94B}">
+              <ma14:wrappingTextBoxFlag xmlns="" xmlns:ma14="http://schemas.microsoft.com/office/mac/drawingml/2011/main" val="1"/>
+            </a:ext>
+          </a:extLst>
+        </p:spPr>
+        <p:txBody>
+          <a:bodyPr wrap="none" lIns="50800" tIns="50800" rIns="50800" bIns="50800" anchor="ctr">
+            <a:spAutoFit/>
+          </a:bodyPr>
+          <a:lstStyle>
+            <a:lvl1pPr>
+              <a:defRPr sz="2000"/>
+            </a:lvl1pPr>
+          </a:lstStyle>
+          <a:p>
+            <a:r>
+              <a:t>intensity (dB)</a:t>
+            </a:r>
+          </a:p>
+        </p:txBody>
+      </p:sp>
+      <p:sp>
+        <p:nvSpPr>
+          <p:cNvPr id="265" name="Shape 63"/>
+          <p:cNvSpPr/>
+          <p:nvPr/>
+        </p:nvSpPr>
+        <p:spPr>
+          <a:xfrm flipH="1" flipV="1">
+            <a:off x="9259286" y="7504707"/>
+            <a:ext cx="1785412" cy="426494"/>
+          </a:xfrm>
+          <a:prstGeom prst="line">
+            <a:avLst/>
+          </a:prstGeom>
+          <a:ln w="50800">
+            <a:solidFill>
+              <a:schemeClr val="accent3">
+                <a:satOff val="18648"/>
+                <a:lumOff val="5971"/>
+              </a:schemeClr>
+            </a:solidFill>
+            <a:miter lim="400000"/>
+            <a:tailEnd type="triangle"/>
+          </a:ln>
+        </p:spPr>
+        <p:txBody>
+          <a:bodyPr lIns="45718" tIns="45718" rIns="45718" bIns="45718"/>
+          <a:lstStyle/>
+          <a:p>
+            <a:endParaRPr/>
+          </a:p>
+        </p:txBody>
+      </p:sp>
+      <p:sp>
+        <p:nvSpPr>
+          <p:cNvPr id="266" name="Shape 64"/>
+          <p:cNvSpPr/>
+          <p:nvPr/>
+        </p:nvSpPr>
+        <p:spPr>
+          <a:xfrm>
+            <a:off x="6050850" y="6581477"/>
+            <a:ext cx="2363362" cy="840435"/>
+          </a:xfrm>
+          <a:prstGeom prst="line">
+            <a:avLst/>
+          </a:prstGeom>
+          <a:ln w="63500">
+            <a:solidFill>
+              <a:schemeClr val="accent1"/>
+            </a:solidFill>
+            <a:miter lim="400000"/>
+            <a:tailEnd type="triangle"/>
+          </a:ln>
+        </p:spPr>
+        <p:txBody>
+          <a:bodyPr lIns="45718" tIns="45718" rIns="45718" bIns="45718"/>
+          <a:lstStyle/>
+          <a:p>
+            <a:endParaRPr/>
+          </a:p>
+        </p:txBody>
+      </p:sp>
+      <p:sp>
+        <p:nvSpPr>
+          <p:cNvPr id="267" name="Shape 65"/>
+          <p:cNvSpPr txBox="1"/>
+          <p:nvPr/>
+        </p:nvSpPr>
+        <p:spPr>
+          <a:xfrm>
+            <a:off x="4884547" y="6343650"/>
+            <a:ext cx="1229107" cy="406401"/>
+          </a:xfrm>
+          <a:prstGeom prst="rect">
+            <a:avLst/>
+          </a:prstGeom>
+          <a:ln w="12700">
+            <a:miter lim="400000"/>
+          </a:ln>
+          <a:extLst>
+            <a:ext uri="{C572A759-6A51-4108-AA02-DFA0A04FC94B}">
+              <ma14:wrappingTextBoxFlag xmlns="" xmlns:ma14="http://schemas.microsoft.com/office/mac/drawingml/2011/main" val="1"/>
+            </a:ext>
+          </a:extLst>
+        </p:spPr>
+        <p:txBody>
+          <a:bodyPr wrap="none" lIns="50800" tIns="50800" rIns="50800" bIns="50800" anchor="ctr">
+            <a:spAutoFit/>
+          </a:bodyPr>
+          <a:lstStyle>
+            <a:lvl1pPr>
+              <a:defRPr sz="2000"/>
+            </a:lvl1pPr>
+          </a:lstStyle>
+          <a:p>
+            <a:r>
+              <a:t>pitch (Hz)</a:t>
+            </a:r>
+          </a:p>
+        </p:txBody>
+      </p:sp>
+      <p:sp>
+        <p:nvSpPr>
+          <p:cNvPr id="268" name="Shape 66"/>
+          <p:cNvSpPr/>
+          <p:nvPr/>
+        </p:nvSpPr>
+        <p:spPr>
+          <a:xfrm>
+            <a:off x="6289373" y="7955508"/>
+            <a:ext cx="1875678" cy="2"/>
+          </a:xfrm>
+          <a:prstGeom prst="line">
+            <a:avLst/>
+          </a:prstGeom>
+          <a:ln w="63500">
+            <a:solidFill>
+              <a:schemeClr val="accent1"/>
+            </a:solidFill>
+            <a:miter lim="400000"/>
+            <a:tailEnd type="triangle"/>
+          </a:ln>
+        </p:spPr>
+        <p:txBody>
+          <a:bodyPr lIns="45718" tIns="45718" rIns="45718" bIns="45718"/>
+          <a:lstStyle/>
+          <a:p>
+            <a:endParaRPr/>
+          </a:p>
+        </p:txBody>
+      </p:sp>
+      <p:sp>
+        <p:nvSpPr>
+          <p:cNvPr id="269" name="Shape 67"/>
+          <p:cNvSpPr/>
+          <p:nvPr/>
+        </p:nvSpPr>
+        <p:spPr>
+          <a:xfrm>
+            <a:off x="6299598" y="8209508"/>
+            <a:ext cx="1855229" cy="2"/>
+          </a:xfrm>
+          <a:prstGeom prst="line">
+            <a:avLst/>
+          </a:prstGeom>
+          <a:ln w="63500">
+            <a:solidFill>
+              <a:schemeClr val="accent1"/>
+            </a:solidFill>
+            <a:miter lim="400000"/>
+            <a:tailEnd type="triangle"/>
+          </a:ln>
+        </p:spPr>
+        <p:txBody>
+          <a:bodyPr lIns="45718" tIns="45718" rIns="45718" bIns="45718"/>
+          <a:lstStyle/>
+          <a:p>
+            <a:endParaRPr/>
+          </a:p>
+        </p:txBody>
+      </p:sp>
+      <p:sp>
+        <p:nvSpPr>
+          <p:cNvPr id="270" name="Shape 68"/>
+          <p:cNvSpPr txBox="1"/>
+          <p:nvPr/>
+        </p:nvSpPr>
+        <p:spPr>
+          <a:xfrm>
+            <a:off x="4670552" y="7828508"/>
+            <a:ext cx="1530097" cy="406401"/>
+          </a:xfrm>
+          <a:prstGeom prst="rect">
+            <a:avLst/>
+          </a:prstGeom>
+          <a:ln w="12700">
+            <a:miter lim="400000"/>
+          </a:ln>
+          <a:extLst>
+            <a:ext uri="{C572A759-6A51-4108-AA02-DFA0A04FC94B}">
+              <ma14:wrappingTextBoxFlag xmlns="" xmlns:ma14="http://schemas.microsoft.com/office/mac/drawingml/2011/main" val="1"/>
+            </a:ext>
+          </a:extLst>
+        </p:spPr>
+        <p:txBody>
+          <a:bodyPr wrap="none" lIns="50800" tIns="50800" rIns="50800" bIns="50800" anchor="ctr">
+            <a:spAutoFit/>
+          </a:bodyPr>
+          <a:lstStyle>
+            <a:lvl1pPr>
+              <a:defRPr sz="2000"/>
+            </a:lvl1pPr>
+          </a:lstStyle>
+          <a:p>
+            <a:r>
+              <a:t>formant (Hz)</a:t>
+            </a:r>
+          </a:p>
+        </p:txBody>
+      </p:sp>
+      <p:pic>
+        <p:nvPicPr>
+          <p:cNvPr id="271" name="pasted-image.png" descr="pasted-image.png"/>
+          <p:cNvPicPr>
+            <a:picLocks noChangeAspect="1"/>
+          </p:cNvPicPr>
+          <p:nvPr/>
+        </p:nvPicPr>
+        <p:blipFill>
+          <a:blip r:embed="rId3"/>
+          <a:stretch>
+            <a:fillRect/>
+          </a:stretch>
+        </p:blipFill>
+        <p:spPr>
+          <a:xfrm>
+            <a:off x="217044" y="2773706"/>
+            <a:ext cx="4379552" cy="3848952"/>
+          </a:xfrm>
+          <a:prstGeom prst="rect">
+            <a:avLst/>
+          </a:prstGeom>
+          <a:ln w="12700">
+            <a:miter lim="400000"/>
+          </a:ln>
+        </p:spPr>
+      </p:pic>
+    </p:spTree>
+  </p:cSld>
+  <p:clrMapOvr>
+    <a:masterClrMapping/>
+  </p:clrMapOvr>
+  <mc:AlternateContent xmlns:mc="http://schemas.openxmlformats.org/markup-compatibility/2006" xmlns:p14="http://schemas.microsoft.com/office/powerpoint/2010/main">
+    <mc:Choice Requires="p14">
+      <p:transition spd="slow" p14:dur="1200">
+        <p14:prism/>
+      </p:transition>
+    </mc:Choice>
+    <mc:Fallback xmlns="">
+      <p:transition spd="slow">
+        <p:fade/>
+      </p:transition>
+    </mc:Fallback>
+  </mc:AlternateContent>
+</p:sld>
+</file>
+
+<file path=ppt/slides/slide9.xml><?xml version="1.0" encoding="utf-8"?>
+<p:sld xmlns:a="http://schemas.openxmlformats.org/drawingml/2006/main" xmlns:r="http://schemas.openxmlformats.org/officeDocument/2006/relationships" xmlns:p="http://schemas.openxmlformats.org/presentationml/2006/main">
+  <p:cSld>
+    <p:spTree>
+      <p:nvGrpSpPr>
+        <p:cNvPr id="1" name=""/>
+        <p:cNvGrpSpPr/>
+        <p:nvPr/>
+      </p:nvGrpSpPr>
+      <p:grpSpPr>
+        <a:xfrm>
+          <a:off x="0" y="0"/>
+          <a:ext cx="0" cy="0"/>
+          <a:chOff x="0" y="0"/>
+          <a:chExt cx="0" cy="0"/>
+        </a:xfrm>
+      </p:grpSpPr>
+      <p:sp>
+        <p:nvSpPr>
+          <p:cNvPr id="273" name="Title 1"/>
+          <p:cNvSpPr txBox="1">
+            <a:spLocks noGrp="1"/>
+          </p:cNvSpPr>
+          <p:nvPr>
+            <p:ph type="title"/>
+          </p:nvPr>
+        </p:nvSpPr>
+        <p:spPr>
+          <a:prstGeom prst="rect">
+            <a:avLst/>
+          </a:prstGeom>
+        </p:spPr>
+        <p:txBody>
+          <a:bodyPr>
+            <a:normAutofit fontScale="90000"/>
+          </a:bodyPr>
+          <a:lstStyle>
+            <a:lvl1pPr defTabSz="578358">
+              <a:defRPr sz="7128"/>
+            </a:lvl1pPr>
+          </a:lstStyle>
+          <a:p>
+            <a:r>
+              <a:t>Hands-on experiments with Praat</a:t>
+            </a:r>
+          </a:p>
+        </p:txBody>
+      </p:sp>
+      <p:sp>
+        <p:nvSpPr>
+          <p:cNvPr id="274" name="Text Placeholder 2"/>
+          <p:cNvSpPr txBox="1">
+            <a:spLocks noGrp="1"/>
+          </p:cNvSpPr>
+          <p:nvPr>
+            <p:ph type="body" idx="1"/>
+          </p:nvPr>
+        </p:nvSpPr>
+        <p:spPr>
+          <a:prstGeom prst="rect">
+            <a:avLst/>
+          </a:prstGeom>
+        </p:spPr>
+        <p:txBody>
+          <a:bodyPr/>
+          <a:lstStyle/>
+          <a:p>
+            <a:r>
+              <a:t>Record yourself with the sentence:</a:t>
+            </a:r>
+          </a:p>
+          <a:p>
+            <a:pPr lvl="1"/>
+            <a:r>
+              <a:t>“Your good pants look great”</a:t>
+            </a:r>
+          </a:p>
+          <a:p>
+            <a:r>
+              <a:t>Pitch</a:t>
+            </a:r>
+          </a:p>
+          <a:p>
+            <a:r>
+              <a:t>Labeling</a:t>
+            </a:r>
+          </a:p>
+          <a:p>
+            <a:r>
+              <a:t>Segmentation</a:t>
             </a:r>
           </a:p>
         </p:txBody>
